--- a/vendas/telas2.pptx
+++ b/vendas/telas2.pptx
@@ -305,7 +305,7 @@
           <a:p>
             <a:fld id="{0C45CB2A-3F70-47EB-A822-4316EFE8C702}" type="datetimeFigureOut">
               <a:rPr lang="pt-BR" smtClean="0"/>
-              <a:t>05/02/2024</a:t>
+              <a:t>06/02/2024</a:t>
             </a:fld>
             <a:endParaRPr lang="pt-BR"/>
           </a:p>
@@ -503,7 +503,7 @@
           <a:p>
             <a:fld id="{0C45CB2A-3F70-47EB-A822-4316EFE8C702}" type="datetimeFigureOut">
               <a:rPr lang="pt-BR" smtClean="0"/>
-              <a:t>05/02/2024</a:t>
+              <a:t>06/02/2024</a:t>
             </a:fld>
             <a:endParaRPr lang="pt-BR"/>
           </a:p>
@@ -711,7 +711,7 @@
           <a:p>
             <a:fld id="{0C45CB2A-3F70-47EB-A822-4316EFE8C702}" type="datetimeFigureOut">
               <a:rPr lang="pt-BR" smtClean="0"/>
-              <a:t>05/02/2024</a:t>
+              <a:t>06/02/2024</a:t>
             </a:fld>
             <a:endParaRPr lang="pt-BR"/>
           </a:p>
@@ -909,7 +909,7 @@
           <a:p>
             <a:fld id="{0C45CB2A-3F70-47EB-A822-4316EFE8C702}" type="datetimeFigureOut">
               <a:rPr lang="pt-BR" smtClean="0"/>
-              <a:t>05/02/2024</a:t>
+              <a:t>06/02/2024</a:t>
             </a:fld>
             <a:endParaRPr lang="pt-BR"/>
           </a:p>
@@ -1184,7 +1184,7 @@
           <a:p>
             <a:fld id="{0C45CB2A-3F70-47EB-A822-4316EFE8C702}" type="datetimeFigureOut">
               <a:rPr lang="pt-BR" smtClean="0"/>
-              <a:t>05/02/2024</a:t>
+              <a:t>06/02/2024</a:t>
             </a:fld>
             <a:endParaRPr lang="pt-BR"/>
           </a:p>
@@ -1449,7 +1449,7 @@
           <a:p>
             <a:fld id="{0C45CB2A-3F70-47EB-A822-4316EFE8C702}" type="datetimeFigureOut">
               <a:rPr lang="pt-BR" smtClean="0"/>
-              <a:t>05/02/2024</a:t>
+              <a:t>06/02/2024</a:t>
             </a:fld>
             <a:endParaRPr lang="pt-BR"/>
           </a:p>
@@ -1861,7 +1861,7 @@
           <a:p>
             <a:fld id="{0C45CB2A-3F70-47EB-A822-4316EFE8C702}" type="datetimeFigureOut">
               <a:rPr lang="pt-BR" smtClean="0"/>
-              <a:t>05/02/2024</a:t>
+              <a:t>06/02/2024</a:t>
             </a:fld>
             <a:endParaRPr lang="pt-BR"/>
           </a:p>
@@ -2002,7 +2002,7 @@
           <a:p>
             <a:fld id="{0C45CB2A-3F70-47EB-A822-4316EFE8C702}" type="datetimeFigureOut">
               <a:rPr lang="pt-BR" smtClean="0"/>
-              <a:t>05/02/2024</a:t>
+              <a:t>06/02/2024</a:t>
             </a:fld>
             <a:endParaRPr lang="pt-BR"/>
           </a:p>
@@ -2115,7 +2115,7 @@
           <a:p>
             <a:fld id="{0C45CB2A-3F70-47EB-A822-4316EFE8C702}" type="datetimeFigureOut">
               <a:rPr lang="pt-BR" smtClean="0"/>
-              <a:t>05/02/2024</a:t>
+              <a:t>06/02/2024</a:t>
             </a:fld>
             <a:endParaRPr lang="pt-BR"/>
           </a:p>
@@ -2426,7 +2426,7 @@
           <a:p>
             <a:fld id="{0C45CB2A-3F70-47EB-A822-4316EFE8C702}" type="datetimeFigureOut">
               <a:rPr lang="pt-BR" smtClean="0"/>
-              <a:t>05/02/2024</a:t>
+              <a:t>06/02/2024</a:t>
             </a:fld>
             <a:endParaRPr lang="pt-BR"/>
           </a:p>
@@ -2714,7 +2714,7 @@
           <a:p>
             <a:fld id="{0C45CB2A-3F70-47EB-A822-4316EFE8C702}" type="datetimeFigureOut">
               <a:rPr lang="pt-BR" smtClean="0"/>
-              <a:t>05/02/2024</a:t>
+              <a:t>06/02/2024</a:t>
             </a:fld>
             <a:endParaRPr lang="pt-BR"/>
           </a:p>
@@ -2955,7 +2955,7 @@
           <a:p>
             <a:fld id="{0C45CB2A-3F70-47EB-A822-4316EFE8C702}" type="datetimeFigureOut">
               <a:rPr lang="pt-BR" smtClean="0"/>
-              <a:t>05/02/2024</a:t>
+              <a:t>06/02/2024</a:t>
             </a:fld>
             <a:endParaRPr lang="pt-BR"/>
           </a:p>
@@ -8313,20 +8313,20 @@
 </file>
 
 <file path=customXml/item2.xml><?xml version="1.0" encoding="utf-8"?>
-<p:properties xmlns:p="http://schemas.microsoft.com/office/2006/metadata/properties" xmlns:xsi="http://www.w3.org/2001/XMLSchema-instance" xmlns:pc="http://schemas.microsoft.com/office/infopath/2007/PartnerControls">
-  <documentManagement>
-    <_activity xmlns="68ec9365-06e5-4041-9ee8-e6a6833cd3e1" xsi:nil="true"/>
-  </documentManagement>
-</p:properties>
-</file>
-
-<file path=customXml/item3.xml><?xml version="1.0" encoding="utf-8"?>
 <?mso-contentType ?>
 <FormTemplates xmlns="http://schemas.microsoft.com/sharepoint/v3/contenttype/forms">
   <Display>DocumentLibraryForm</Display>
   <Edit>DocumentLibraryForm</Edit>
   <New>DocumentLibraryForm</New>
 </FormTemplates>
+</file>
+
+<file path=customXml/item3.xml><?xml version="1.0" encoding="utf-8"?>
+<p:properties xmlns:p="http://schemas.microsoft.com/office/2006/metadata/properties" xmlns:xsi="http://www.w3.org/2001/XMLSchema-instance" xmlns:pc="http://schemas.microsoft.com/office/infopath/2007/PartnerControls">
+  <documentManagement>
+    <_activity xmlns="68ec9365-06e5-4041-9ee8-e6a6833cd3e1" xsi:nil="true"/>
+  </documentManagement>
+</p:properties>
 </file>
 
 <file path=customXml/itemProps1.xml><?xml version="1.0" encoding="utf-8"?>
@@ -8349,26 +8349,26 @@
 </file>
 
 <file path=customXml/itemProps2.xml><?xml version="1.0" encoding="utf-8"?>
-<ds:datastoreItem xmlns:ds="http://schemas.openxmlformats.org/officeDocument/2006/customXml" ds:itemID="{DDE2946D-5036-4FD7-AB02-D547D860BCB8}">
+<ds:datastoreItem xmlns:ds="http://schemas.openxmlformats.org/officeDocument/2006/customXml" ds:itemID="{5A6B75BD-A122-438A-8101-8038FAF8D5E5}">
   <ds:schemaRefs>
-    <ds:schemaRef ds:uri="2ed4da22-6215-408a-8c41-048b61829ea5"/>
-    <ds:schemaRef ds:uri="http://schemas.microsoft.com/office/2006/metadata/properties"/>
-    <ds:schemaRef ds:uri="68ec9365-06e5-4041-9ee8-e6a6833cd3e1"/>
-    <ds:schemaRef ds:uri="http://www.w3.org/XML/1998/namespace"/>
-    <ds:schemaRef ds:uri="http://purl.org/dc/dcmitype/"/>
-    <ds:schemaRef ds:uri="http://schemas.microsoft.com/office/2006/documentManagement/types"/>
-    <ds:schemaRef ds:uri="http://schemas.microsoft.com/office/infopath/2007/PartnerControls"/>
-    <ds:schemaRef ds:uri="http://schemas.openxmlformats.org/package/2006/metadata/core-properties"/>
-    <ds:schemaRef ds:uri="http://purl.org/dc/terms/"/>
-    <ds:schemaRef ds:uri="http://purl.org/dc/elements/1.1/"/>
+    <ds:schemaRef ds:uri="http://schemas.microsoft.com/sharepoint/v3/contenttype/forms"/>
   </ds:schemaRefs>
 </ds:datastoreItem>
 </file>
 
 <file path=customXml/itemProps3.xml><?xml version="1.0" encoding="utf-8"?>
-<ds:datastoreItem xmlns:ds="http://schemas.openxmlformats.org/officeDocument/2006/customXml" ds:itemID="{5A6B75BD-A122-438A-8101-8038FAF8D5E5}">
+<ds:datastoreItem xmlns:ds="http://schemas.openxmlformats.org/officeDocument/2006/customXml" ds:itemID="{DDE2946D-5036-4FD7-AB02-D547D860BCB8}">
   <ds:schemaRefs>
-    <ds:schemaRef ds:uri="http://schemas.microsoft.com/sharepoint/v3/contenttype/forms"/>
+    <ds:schemaRef ds:uri="http://purl.org/dc/dcmitype/"/>
+    <ds:schemaRef ds:uri="68ec9365-06e5-4041-9ee8-e6a6833cd3e1"/>
+    <ds:schemaRef ds:uri="http://purl.org/dc/terms/"/>
+    <ds:schemaRef ds:uri="http://schemas.microsoft.com/office/2006/metadata/properties"/>
+    <ds:schemaRef ds:uri="http://schemas.microsoft.com/office/infopath/2007/PartnerControls"/>
+    <ds:schemaRef ds:uri="http://purl.org/dc/elements/1.1/"/>
+    <ds:schemaRef ds:uri="2ed4da22-6215-408a-8c41-048b61829ea5"/>
+    <ds:schemaRef ds:uri="http://schemas.openxmlformats.org/package/2006/metadata/core-properties"/>
+    <ds:schemaRef ds:uri="http://schemas.microsoft.com/office/2006/documentManagement/types"/>
+    <ds:schemaRef ds:uri="http://www.w3.org/XML/1998/namespace"/>
   </ds:schemaRefs>
 </ds:datastoreItem>
 </file>